--- a/agileTesting.pptx
+++ b/agileTesting.pptx
@@ -226,7 +226,7 @@
           <a:p>
             <a:fld id="{2CEAAF47-F48D-4067-843F-48D8BB220E92}" type="datetimeFigureOut">
               <a:rPr lang="es-ES" smtClean="0"/>
-              <a:t>22/12/2021</a:t>
+              <a:t>12/01/2022</a:t>
             </a:fld>
             <a:endParaRPr lang="es-ES"/>
           </a:p>
@@ -404,7 +404,7 @@
           <a:p>
             <a:fld id="{29DB145D-EE22-4112-A65A-BE293B6CB5E7}" type="datetimeFigureOut">
               <a:rPr lang="es-ES" noProof="0" smtClean="0"/>
-              <a:t>22/12/2021</a:t>
+              <a:t>12/01/2022</a:t>
             </a:fld>
             <a:endParaRPr lang="es-ES" noProof="0"/>
           </a:p>
@@ -886,7 +886,7 @@
             <a:pPr rtl="0"/>
             <a:fld id="{8F62DEFB-5DEA-4980-8FA5-1596AC53AE8E}" type="datetime1">
               <a:rPr lang="es-ES" noProof="0" smtClean="0"/>
-              <a:t>22/12/2021</a:t>
+              <a:t>12/01/2022</a:t>
             </a:fld>
             <a:endParaRPr lang="es-ES" noProof="0"/>
           </a:p>
@@ -1176,7 +1176,7 @@
             <a:pPr rtl="0"/>
             <a:fld id="{3CC51BE8-6818-48D9-B2D9-690F9628C0DD}" type="datetime1">
               <a:rPr lang="es-ES" noProof="0" smtClean="0"/>
-              <a:t>22/12/2021</a:t>
+              <a:t>12/01/2022</a:t>
             </a:fld>
             <a:endParaRPr lang="es-ES" noProof="0"/>
           </a:p>
@@ -1434,7 +1434,7 @@
             <a:pPr rtl="0"/>
             <a:fld id="{42F33FFF-8D49-48CF-95F6-3A8DBA4EE603}" type="datetime1">
               <a:rPr lang="es-ES" noProof="0" smtClean="0"/>
-              <a:t>22/12/2021</a:t>
+              <a:t>12/01/2022</a:t>
             </a:fld>
             <a:endParaRPr lang="es-ES" noProof="0"/>
           </a:p>
@@ -1902,7 +1902,7 @@
             <a:pPr rtl="0"/>
             <a:fld id="{E5E21577-6748-4368-962E-D993E6A316EC}" type="datetime1">
               <a:rPr lang="es-ES" noProof="0" smtClean="0"/>
-              <a:t>22/12/2021</a:t>
+              <a:t>12/01/2022</a:t>
             </a:fld>
             <a:endParaRPr lang="es-ES" noProof="0"/>
           </a:p>
@@ -2081,7 +2081,7 @@
             <a:pPr rtl="0"/>
             <a:fld id="{3935A002-F535-473C-8320-095A172A5125}" type="datetime1">
               <a:rPr lang="es-ES" noProof="0" smtClean="0"/>
-              <a:t>22/12/2021</a:t>
+              <a:t>12/01/2022</a:t>
             </a:fld>
             <a:endParaRPr lang="es-ES" noProof="0"/>
           </a:p>
@@ -2656,7 +2656,7 @@
             <a:pPr rtl="0"/>
             <a:fld id="{431AE564-09AB-4449-9C03-BD89A0B2BD50}" type="datetime1">
               <a:rPr lang="es-ES" noProof="0" smtClean="0"/>
-              <a:t>22/12/2021</a:t>
+              <a:t>12/01/2022</a:t>
             </a:fld>
             <a:endParaRPr lang="es-ES" noProof="0"/>
           </a:p>
@@ -2986,7 +2986,7 @@
             <a:pPr rtl="0"/>
             <a:fld id="{A260D430-F8D6-4267-8E2C-23B82229B360}" type="datetime1">
               <a:rPr lang="es-ES" noProof="0" smtClean="0"/>
-              <a:t>22/12/2021</a:t>
+              <a:t>12/01/2022</a:t>
             </a:fld>
             <a:endParaRPr lang="es-ES" noProof="0"/>
           </a:p>
@@ -3159,7 +3159,7 @@
             <a:pPr rtl="0"/>
             <a:fld id="{8C7BEBC9-E2CD-4759-B7D0-4E511012DD75}" type="datetime1">
               <a:rPr lang="es-ES" noProof="0" smtClean="0"/>
-              <a:t>22/12/2021</a:t>
+              <a:t>12/01/2022</a:t>
             </a:fld>
             <a:endParaRPr lang="es-ES" noProof="0"/>
           </a:p>
@@ -3337,7 +3337,7 @@
             <a:pPr rtl="0"/>
             <a:fld id="{0123B0CA-6865-4639-BC94-E62B912B56D0}" type="datetime1">
               <a:rPr lang="es-ES" noProof="0" smtClean="0"/>
-              <a:t>22/12/2021</a:t>
+              <a:t>12/01/2022</a:t>
             </a:fld>
             <a:endParaRPr lang="es-ES" noProof="0"/>
           </a:p>
@@ -3505,7 +3505,7 @@
             <a:pPr rtl="0"/>
             <a:fld id="{C4ED47D0-E13A-4161-B8AA-A4F189C80FFA}" type="datetime1">
               <a:rPr lang="es-ES" noProof="0" smtClean="0"/>
-              <a:t>22/12/2021</a:t>
+              <a:t>12/01/2022</a:t>
             </a:fld>
             <a:endParaRPr lang="es-ES" noProof="0"/>
           </a:p>
@@ -3761,7 +3761,7 @@
             <a:pPr rtl="0"/>
             <a:fld id="{61D2CD25-3F1E-406B-9937-71146D9878CE}" type="datetime1">
               <a:rPr lang="es-ES" noProof="0" smtClean="0"/>
-              <a:t>22/12/2021</a:t>
+              <a:t>12/01/2022</a:t>
             </a:fld>
             <a:endParaRPr lang="es-ES" noProof="0"/>
           </a:p>
@@ -4050,7 +4050,7 @@
             <a:pPr rtl="0"/>
             <a:fld id="{D90ECB56-2F2F-4C74-960D-7652127B2B2A}" type="datetime1">
               <a:rPr lang="es-ES" noProof="0" smtClean="0"/>
-              <a:t>22/12/2021</a:t>
+              <a:t>12/01/2022</a:t>
             </a:fld>
             <a:endParaRPr lang="es-ES" noProof="0"/>
           </a:p>
@@ -4477,7 +4477,7 @@
             <a:pPr rtl="0"/>
             <a:fld id="{FB035A81-60A0-474B-8C17-64C1ED138785}" type="datetime1">
               <a:rPr lang="es-ES" noProof="0" smtClean="0"/>
-              <a:t>22/12/2021</a:t>
+              <a:t>12/01/2022</a:t>
             </a:fld>
             <a:endParaRPr lang="es-ES" noProof="0"/>
           </a:p>
@@ -4594,7 +4594,7 @@
             <a:pPr rtl="0"/>
             <a:fld id="{A41E28B2-68D0-4BF6-A027-3901084B1F4E}" type="datetime1">
               <a:rPr lang="es-ES" noProof="0" smtClean="0"/>
-              <a:t>22/12/2021</a:t>
+              <a:t>12/01/2022</a:t>
             </a:fld>
             <a:endParaRPr lang="es-ES" noProof="0"/>
           </a:p>
@@ -4688,7 +4688,7 @@
             <a:pPr rtl="0"/>
             <a:fld id="{CC1DE07A-3A14-451C-AA78-C0F05B85E4E6}" type="datetime1">
               <a:rPr lang="es-ES" noProof="0" smtClean="0"/>
-              <a:t>22/12/2021</a:t>
+              <a:t>12/01/2022</a:t>
             </a:fld>
             <a:endParaRPr lang="es-ES" noProof="0"/>
           </a:p>
@@ -4969,7 +4969,7 @@
             <a:pPr rtl="0"/>
             <a:fld id="{03406B75-0764-4042-9559-D581297A3A43}" type="datetime1">
               <a:rPr lang="es-ES" noProof="0" smtClean="0"/>
-              <a:t>22/12/2021</a:t>
+              <a:t>12/01/2022</a:t>
             </a:fld>
             <a:endParaRPr lang="es-ES" noProof="0"/>
           </a:p>
@@ -5259,7 +5259,7 @@
             <a:pPr rtl="0"/>
             <a:fld id="{F87AF1ED-34A0-4307-B8CD-FDD54BB1A18A}" type="datetime1">
               <a:rPr lang="es-ES" noProof="0" smtClean="0"/>
-              <a:t>22/12/2021</a:t>
+              <a:t>12/01/2022</a:t>
             </a:fld>
             <a:endParaRPr lang="es-ES" noProof="0"/>
           </a:p>
@@ -5488,7 +5488,7 @@
             <a:pPr rtl="0"/>
             <a:fld id="{AA54E3CF-E07D-4BFB-9291-0B782E765EED}" type="datetime1">
               <a:rPr lang="es-ES" noProof="0" smtClean="0"/>
-              <a:t>22/12/2021</a:t>
+              <a:t>12/01/2022</a:t>
             </a:fld>
             <a:endParaRPr lang="es-ES" noProof="0"/>
           </a:p>
@@ -6675,7 +6675,7 @@
                 <a:latin typeface="Arial Nova"/>
                 <a:cs typeface="Aharoni"/>
               </a:rPr>
-              <a:t> </a:t>
+              <a:t> los </a:t>
             </a:r>
             <a:r>
               <a:rPr lang="en-US" sz="2000" dirty="0" err="1">
@@ -6696,7 +6696,133 @@
                 <a:latin typeface="Arial Nova"/>
                 <a:cs typeface="Aharoni"/>
               </a:rPr>
-              <a:t>los</a:t>
+              <a:t>requerimientos</a:t>
+            </a:r>
+            <a:r>
+              <a:rPr lang="en-US" sz="2000" dirty="0">
+                <a:effectLst>
+                  <a:glow rad="38100">
+                    <a:prstClr val="black">
+                      <a:lumMod val="50000"/>
+                      <a:lumOff val="50000"/>
+                      <a:alpha val="20000"/>
+                    </a:prstClr>
+                  </a:glow>
+                  <a:outerShdw blurRad="44450" dist="12700" dir="13860000" algn="tl" rotWithShape="0">
+                    <a:srgbClr val="000000">
+                      <a:alpha val="20000"/>
+                    </a:srgbClr>
+                  </a:outerShdw>
+                </a:effectLst>
+                <a:latin typeface="Arial Nova"/>
+                <a:cs typeface="Aharoni"/>
+              </a:rPr>
+              <a:t> se </a:t>
+            </a:r>
+            <a:r>
+              <a:rPr lang="en-US" sz="2000" dirty="0" err="1">
+                <a:effectLst>
+                  <a:glow rad="38100">
+                    <a:prstClr val="black">
+                      <a:lumMod val="50000"/>
+                      <a:lumOff val="50000"/>
+                      <a:alpha val="20000"/>
+                    </a:prstClr>
+                  </a:glow>
+                  <a:outerShdw blurRad="44450" dist="12700" dir="13860000" algn="tl" rotWithShape="0">
+                    <a:srgbClr val="000000">
+                      <a:alpha val="20000"/>
+                    </a:srgbClr>
+                  </a:outerShdw>
+                </a:effectLst>
+                <a:latin typeface="Arial Nova"/>
+                <a:cs typeface="Aharoni"/>
+              </a:rPr>
+              <a:t>desarrollan</a:t>
+            </a:r>
+            <a:r>
+              <a:rPr lang="en-US" sz="2000" dirty="0">
+                <a:effectLst>
+                  <a:glow rad="38100">
+                    <a:prstClr val="black">
+                      <a:lumMod val="50000"/>
+                      <a:lumOff val="50000"/>
+                      <a:alpha val="20000"/>
+                    </a:prstClr>
+                  </a:glow>
+                  <a:outerShdw blurRad="44450" dist="12700" dir="13860000" algn="tl" rotWithShape="0">
+                    <a:srgbClr val="000000">
+                      <a:alpha val="20000"/>
+                    </a:srgbClr>
+                  </a:outerShdw>
+                </a:effectLst>
+                <a:latin typeface="Arial Nova"/>
+                <a:cs typeface="Aharoni"/>
+              </a:rPr>
+              <a:t> entre los </a:t>
+            </a:r>
+            <a:r>
+              <a:rPr lang="en-US" sz="2000" dirty="0" err="1">
+                <a:effectLst>
+                  <a:glow rad="38100">
+                    <a:prstClr val="black">
+                      <a:lumMod val="50000"/>
+                      <a:lumOff val="50000"/>
+                      <a:alpha val="20000"/>
+                    </a:prstClr>
+                  </a:glow>
+                  <a:outerShdw blurRad="44450" dist="12700" dir="13860000" algn="tl" rotWithShape="0">
+                    <a:srgbClr val="000000">
+                      <a:alpha val="20000"/>
+                    </a:srgbClr>
+                  </a:outerShdw>
+                </a:effectLst>
+                <a:latin typeface="Arial Nova"/>
+                <a:cs typeface="Aharoni"/>
+              </a:rPr>
+              <a:t>usuarios</a:t>
+            </a:r>
+            <a:r>
+              <a:rPr lang="en-US" sz="2000" dirty="0">
+                <a:effectLst>
+                  <a:glow rad="38100">
+                    <a:prstClr val="black">
+                      <a:lumMod val="50000"/>
+                      <a:lumOff val="50000"/>
+                      <a:alpha val="20000"/>
+                    </a:prstClr>
+                  </a:glow>
+                  <a:outerShdw blurRad="44450" dist="12700" dir="13860000" algn="tl" rotWithShape="0">
+                    <a:srgbClr val="000000">
+                      <a:alpha val="20000"/>
+                    </a:srgbClr>
+                  </a:outerShdw>
+                </a:effectLst>
+                <a:latin typeface="Arial Nova"/>
+                <a:cs typeface="Aharoni"/>
+              </a:rPr>
+              <a:t> y </a:t>
+            </a:r>
+            <a:r>
+              <a:rPr lang="en-US" sz="2000" dirty="0" err="1">
+                <a:effectLst>
+                  <a:glow rad="38100">
+                    <a:prstClr val="black">
+                      <a:lumMod val="50000"/>
+                      <a:lumOff val="50000"/>
+                      <a:alpha val="20000"/>
+                    </a:prstClr>
+                  </a:glow>
+                  <a:outerShdw blurRad="44450" dist="12700" dir="13860000" algn="tl" rotWithShape="0">
+                    <a:srgbClr val="000000">
+                      <a:alpha val="20000"/>
+                    </a:srgbClr>
+                  </a:outerShdw>
+                </a:effectLst>
+                <a:latin typeface="Arial Nova"/>
+                <a:cs typeface="Aharoni"/>
+              </a:rPr>
+              <a:t>el</a:t>
             </a:r>
             <a:r>
               <a:rPr lang="en-US" sz="2000" dirty="0">
@@ -6738,7 +6864,7 @@
                 <a:latin typeface="Arial Nova"/>
                 <a:cs typeface="Aharoni"/>
               </a:rPr>
-              <a:t>requerimientos</a:t>
+              <a:t>equipo</a:t>
             </a:r>
             <a:r>
               <a:rPr lang="en-US" sz="2000" dirty="0">
@@ -6759,7 +6885,7 @@
                 <a:latin typeface="Arial Nova"/>
                 <a:cs typeface="Aharoni"/>
               </a:rPr>
-              <a:t> se </a:t>
+              <a:t> de </a:t>
             </a:r>
             <a:r>
               <a:rPr lang="en-US" sz="2000" dirty="0" err="1">
@@ -6780,7 +6906,49 @@
                 <a:latin typeface="Arial Nova"/>
                 <a:cs typeface="Aharoni"/>
               </a:rPr>
-              <a:t>desarrollan</a:t>
+              <a:t>investigación</a:t>
+            </a:r>
+            <a:r>
+              <a:rPr lang="en-US" sz="2000" dirty="0">
+                <a:effectLst>
+                  <a:glow rad="38100">
+                    <a:prstClr val="black">
+                      <a:lumMod val="50000"/>
+                      <a:lumOff val="50000"/>
+                      <a:alpha val="20000"/>
+                    </a:prstClr>
+                  </a:glow>
+                  <a:outerShdw blurRad="44450" dist="12700" dir="13860000" algn="tl" rotWithShape="0">
+                    <a:srgbClr val="000000">
+                      <a:alpha val="20000"/>
+                    </a:srgbClr>
+                  </a:outerShdw>
+                </a:effectLst>
+                <a:latin typeface="Arial Nova"/>
+                <a:cs typeface="Aharoni"/>
+              </a:rPr>
+              <a:t> para que </a:t>
+            </a:r>
+            <a:r>
+              <a:rPr lang="en-US" sz="2000" dirty="0" err="1">
+                <a:effectLst>
+                  <a:glow rad="38100">
+                    <a:prstClr val="black">
+                      <a:lumMod val="50000"/>
+                      <a:lumOff val="50000"/>
+                      <a:alpha val="20000"/>
+                    </a:prstClr>
+                  </a:glow>
+                  <a:outerShdw blurRad="44450" dist="12700" dir="13860000" algn="tl" rotWithShape="0">
+                    <a:srgbClr val="000000">
+                      <a:alpha val="20000"/>
+                    </a:srgbClr>
+                  </a:outerShdw>
+                </a:effectLst>
+                <a:latin typeface="Arial Nova"/>
+                <a:cs typeface="Aharoni"/>
+              </a:rPr>
+              <a:t>esté</a:t>
             </a:r>
             <a:r>
               <a:rPr lang="en-US" sz="2000" dirty="0">
@@ -6822,7 +6990,7 @@
                 <a:latin typeface="Arial Nova"/>
                 <a:cs typeface="Aharoni"/>
               </a:rPr>
-              <a:t>desde</a:t>
+              <a:t>centrado</a:t>
             </a:r>
             <a:r>
               <a:rPr lang="en-US" sz="2000" dirty="0">
@@ -6864,7 +7032,7 @@
                 <a:latin typeface="Arial Nova"/>
                 <a:cs typeface="Aharoni"/>
               </a:rPr>
-              <a:t>los</a:t>
+              <a:t>en</a:t>
             </a:r>
             <a:r>
               <a:rPr lang="en-US" sz="2000" dirty="0">
@@ -6885,7 +7053,7 @@
                 <a:latin typeface="Arial Nova"/>
                 <a:cs typeface="Aharoni"/>
               </a:rPr>
-              <a:t> </a:t>
+              <a:t> las </a:t>
             </a:r>
             <a:r>
               <a:rPr lang="en-US" sz="2000" dirty="0" err="1">
@@ -6906,7 +7074,7 @@
                 <a:latin typeface="Arial Nova"/>
                 <a:cs typeface="Aharoni"/>
               </a:rPr>
-              <a:t>usuarios</a:t>
+              <a:t>necesidades</a:t>
             </a:r>
             <a:r>
               <a:rPr lang="en-US" sz="2000" dirty="0">
@@ -6927,259 +7095,7 @@
                 <a:latin typeface="Arial Nova"/>
                 <a:cs typeface="Aharoni"/>
               </a:rPr>
-              <a:t> y del </a:t>
-            </a:r>
-            <a:r>
-              <a:rPr lang="en-US" sz="2000" dirty="0" err="1">
-                <a:effectLst>
-                  <a:glow rad="38100">
-                    <a:prstClr val="black">
-                      <a:lumMod val="50000"/>
-                      <a:lumOff val="50000"/>
-                      <a:alpha val="20000"/>
-                    </a:prstClr>
-                  </a:glow>
-                  <a:outerShdw blurRad="44450" dist="12700" dir="13860000" algn="tl" rotWithShape="0">
-                    <a:srgbClr val="000000">
-                      <a:alpha val="20000"/>
-                    </a:srgbClr>
-                  </a:outerShdw>
-                </a:effectLst>
-                <a:latin typeface="Arial Nova"/>
-                <a:cs typeface="Aharoni"/>
-              </a:rPr>
-              <a:t>equipo</a:t>
-            </a:r>
-            <a:r>
-              <a:rPr lang="en-US" sz="2000" dirty="0">
-                <a:effectLst>
-                  <a:glow rad="38100">
-                    <a:prstClr val="black">
-                      <a:lumMod val="50000"/>
-                      <a:lumOff val="50000"/>
-                      <a:alpha val="20000"/>
-                    </a:prstClr>
-                  </a:glow>
-                  <a:outerShdw blurRad="44450" dist="12700" dir="13860000" algn="tl" rotWithShape="0">
-                    <a:srgbClr val="000000">
-                      <a:alpha val="20000"/>
-                    </a:srgbClr>
-                  </a:outerShdw>
-                </a:effectLst>
-                <a:latin typeface="Arial Nova"/>
-                <a:cs typeface="Aharoni"/>
-              </a:rPr>
-              <a:t> de </a:t>
-            </a:r>
-            <a:r>
-              <a:rPr lang="en-US" sz="2000" dirty="0" err="1">
-                <a:effectLst>
-                  <a:glow rad="38100">
-                    <a:prstClr val="black">
-                      <a:lumMod val="50000"/>
-                      <a:lumOff val="50000"/>
-                      <a:alpha val="20000"/>
-                    </a:prstClr>
-                  </a:glow>
-                  <a:outerShdw blurRad="44450" dist="12700" dir="13860000" algn="tl" rotWithShape="0">
-                    <a:srgbClr val="000000">
-                      <a:alpha val="20000"/>
-                    </a:srgbClr>
-                  </a:outerShdw>
-                </a:effectLst>
-                <a:latin typeface="Arial Nova"/>
-                <a:cs typeface="Aharoni"/>
-              </a:rPr>
-              <a:t>investigación</a:t>
-            </a:r>
-            <a:r>
-              <a:rPr lang="en-US" sz="2000" dirty="0">
-                <a:effectLst>
-                  <a:glow rad="38100">
-                    <a:prstClr val="black">
-                      <a:lumMod val="50000"/>
-                      <a:lumOff val="50000"/>
-                      <a:alpha val="20000"/>
-                    </a:prstClr>
-                  </a:glow>
-                  <a:outerShdw blurRad="44450" dist="12700" dir="13860000" algn="tl" rotWithShape="0">
-                    <a:srgbClr val="000000">
-                      <a:alpha val="20000"/>
-                    </a:srgbClr>
-                  </a:outerShdw>
-                </a:effectLst>
-                <a:latin typeface="Arial Nova"/>
-                <a:cs typeface="Aharoni"/>
-              </a:rPr>
-              <a:t> para que </a:t>
-            </a:r>
-            <a:r>
-              <a:rPr lang="en-US" sz="2000" dirty="0" err="1">
-                <a:effectLst>
-                  <a:glow rad="38100">
-                    <a:prstClr val="black">
-                      <a:lumMod val="50000"/>
-                      <a:lumOff val="50000"/>
-                      <a:alpha val="20000"/>
-                    </a:prstClr>
-                  </a:glow>
-                  <a:outerShdw blurRad="44450" dist="12700" dir="13860000" algn="tl" rotWithShape="0">
-                    <a:srgbClr val="000000">
-                      <a:alpha val="20000"/>
-                    </a:srgbClr>
-                  </a:outerShdw>
-                </a:effectLst>
-                <a:latin typeface="Arial Nova"/>
-                <a:cs typeface="Aharoni"/>
-              </a:rPr>
-              <a:t>esté</a:t>
-            </a:r>
-            <a:r>
-              <a:rPr lang="en-US" sz="2000" dirty="0">
-                <a:effectLst>
-                  <a:glow rad="38100">
-                    <a:prstClr val="black">
-                      <a:lumMod val="50000"/>
-                      <a:lumOff val="50000"/>
-                      <a:alpha val="20000"/>
-                    </a:prstClr>
-                  </a:glow>
-                  <a:outerShdw blurRad="44450" dist="12700" dir="13860000" algn="tl" rotWithShape="0">
-                    <a:srgbClr val="000000">
-                      <a:alpha val="20000"/>
-                    </a:srgbClr>
-                  </a:outerShdw>
-                </a:effectLst>
-                <a:latin typeface="Arial Nova"/>
-                <a:cs typeface="Aharoni"/>
-              </a:rPr>
-              <a:t> </a:t>
-            </a:r>
-            <a:r>
-              <a:rPr lang="en-US" sz="2000" dirty="0" err="1">
-                <a:effectLst>
-                  <a:glow rad="38100">
-                    <a:prstClr val="black">
-                      <a:lumMod val="50000"/>
-                      <a:lumOff val="50000"/>
-                      <a:alpha val="20000"/>
-                    </a:prstClr>
-                  </a:glow>
-                  <a:outerShdw blurRad="44450" dist="12700" dir="13860000" algn="tl" rotWithShape="0">
-                    <a:srgbClr val="000000">
-                      <a:alpha val="20000"/>
-                    </a:srgbClr>
-                  </a:outerShdw>
-                </a:effectLst>
-                <a:latin typeface="Arial Nova"/>
-                <a:cs typeface="Aharoni"/>
-              </a:rPr>
-              <a:t>centrado</a:t>
-            </a:r>
-            <a:r>
-              <a:rPr lang="en-US" sz="2000" dirty="0">
-                <a:effectLst>
-                  <a:glow rad="38100">
-                    <a:prstClr val="black">
-                      <a:lumMod val="50000"/>
-                      <a:lumOff val="50000"/>
-                      <a:alpha val="20000"/>
-                    </a:prstClr>
-                  </a:glow>
-                  <a:outerShdw blurRad="44450" dist="12700" dir="13860000" algn="tl" rotWithShape="0">
-                    <a:srgbClr val="000000">
-                      <a:alpha val="20000"/>
-                    </a:srgbClr>
-                  </a:outerShdw>
-                </a:effectLst>
-                <a:latin typeface="Arial Nova"/>
-                <a:cs typeface="Aharoni"/>
-              </a:rPr>
-              <a:t> </a:t>
-            </a:r>
-            <a:r>
-              <a:rPr lang="en-US" sz="2000" dirty="0" err="1">
-                <a:effectLst>
-                  <a:glow rad="38100">
-                    <a:prstClr val="black">
-                      <a:lumMod val="50000"/>
-                      <a:lumOff val="50000"/>
-                      <a:alpha val="20000"/>
-                    </a:prstClr>
-                  </a:glow>
-                  <a:outerShdw blurRad="44450" dist="12700" dir="13860000" algn="tl" rotWithShape="0">
-                    <a:srgbClr val="000000">
-                      <a:alpha val="20000"/>
-                    </a:srgbClr>
-                  </a:outerShdw>
-                </a:effectLst>
-                <a:latin typeface="Arial Nova"/>
-                <a:cs typeface="Aharoni"/>
-              </a:rPr>
-              <a:t>en</a:t>
-            </a:r>
-            <a:r>
-              <a:rPr lang="en-US" sz="2000" dirty="0">
-                <a:effectLst>
-                  <a:glow rad="38100">
-                    <a:prstClr val="black">
-                      <a:lumMod val="50000"/>
-                      <a:lumOff val="50000"/>
-                      <a:alpha val="20000"/>
-                    </a:prstClr>
-                  </a:glow>
-                  <a:outerShdw blurRad="44450" dist="12700" dir="13860000" algn="tl" rotWithShape="0">
-                    <a:srgbClr val="000000">
-                      <a:alpha val="20000"/>
-                    </a:srgbClr>
-                  </a:outerShdw>
-                </a:effectLst>
-                <a:latin typeface="Arial Nova"/>
-                <a:cs typeface="Aharoni"/>
-              </a:rPr>
-              <a:t> </a:t>
-            </a:r>
-            <a:r>
-              <a:rPr lang="en-US" sz="2000" dirty="0" err="1">
-                <a:effectLst>
-                  <a:glow rad="38100">
-                    <a:prstClr val="black">
-                      <a:lumMod val="50000"/>
-                      <a:lumOff val="50000"/>
-                      <a:alpha val="20000"/>
-                    </a:prstClr>
-                  </a:glow>
-                  <a:outerShdw blurRad="44450" dist="12700" dir="13860000" algn="tl" rotWithShape="0">
-                    <a:srgbClr val="000000">
-                      <a:alpha val="20000"/>
-                    </a:srgbClr>
-                  </a:outerShdw>
-                </a:effectLst>
-                <a:latin typeface="Arial Nova"/>
-                <a:cs typeface="Aharoni"/>
-              </a:rPr>
-              <a:t>el</a:t>
-            </a:r>
-            <a:r>
-              <a:rPr lang="en-US" sz="2000" dirty="0">
-                <a:effectLst>
-                  <a:glow rad="38100">
-                    <a:prstClr val="black">
-                      <a:lumMod val="50000"/>
-                      <a:lumOff val="50000"/>
-                      <a:alpha val="20000"/>
-                    </a:prstClr>
-                  </a:glow>
-                  <a:outerShdw blurRad="44450" dist="12700" dir="13860000" algn="tl" rotWithShape="0">
-                    <a:srgbClr val="000000">
-                      <a:alpha val="20000"/>
-                    </a:srgbClr>
-                  </a:outerShdw>
-                </a:effectLst>
-                <a:latin typeface="Arial Nova"/>
-                <a:cs typeface="Aharoni"/>
-              </a:rPr>
-              <a:t> </a:t>
+              <a:t> del </a:t>
             </a:r>
             <a:r>
               <a:rPr lang="en-US" sz="2000" dirty="0" err="1">
